--- a/Notes/approx_convergence_v1.pptx
+++ b/Notes/approx_convergence_v1.pptx
@@ -4508,7 +4508,7 @@
           <a:p>
             <a:r>
               <a:rPr lang="en-US" dirty="0"/>
-              <a:t>Simon suggested increasing the number of design points to see if the convergence of posterior issue is still there.</a:t>
+              <a:t>Simon suggested increasing the number of initial design points to see if the convergence of posterior issue is still there.</a:t>
             </a:r>
           </a:p>
         </p:txBody>
@@ -5549,7 +5549,15 @@
           <a:p>
             <a:r>
               <a:rPr lang="en-US" dirty="0"/>
-              <a:t>Simon suggested increasing the number of design points to see if the convergence of posterior issue is still there.</a:t>
+              <a:t>Simon suggested increasing the number </a:t>
+            </a:r>
+            <a:r>
+              <a:rPr lang="en-US"/>
+              <a:t>of initial design </a:t>
+            </a:r>
+            <a:r>
+              <a:rPr lang="en-US" dirty="0"/>
+              <a:t>points to see if the convergence of posterior issue is still there.</a:t>
             </a:r>
           </a:p>
           <a:p>
